--- a/Git101.pptx
+++ b/Git101.pptx
@@ -5,17 +5,16 @@
     <p:sldMasterId id="2147483648" r:id="rId1"/>
   </p:sldMasterIdLst>
   <p:notesMasterIdLst>
-    <p:notesMasterId r:id="rId10"/>
+    <p:notesMasterId r:id="rId9"/>
   </p:notesMasterIdLst>
   <p:sldIdLst>
     <p:sldId id="256" r:id="rId2"/>
     <p:sldId id="258" r:id="rId3"/>
     <p:sldId id="273" r:id="rId4"/>
-    <p:sldId id="268" r:id="rId5"/>
-    <p:sldId id="269" r:id="rId6"/>
-    <p:sldId id="270" r:id="rId7"/>
-    <p:sldId id="271" r:id="rId8"/>
-    <p:sldId id="272" r:id="rId9"/>
+    <p:sldId id="274" r:id="rId5"/>
+    <p:sldId id="275" r:id="rId6"/>
+    <p:sldId id="268" r:id="rId7"/>
+    <p:sldId id="276" r:id="rId8"/>
   </p:sldIdLst>
   <p:sldSz cx="12192000" cy="6858000"/>
   <p:notesSz cx="6858000" cy="9144000"/>
@@ -621,7 +620,7 @@
           <a:p>
             <a:fld id="{55F87E3E-B2E0-8A4D-AB67-29BF6C02E28F}" type="slidenum">
               <a:rPr lang="en-US" smtClean="0"/>
-              <a:t>5</a:t>
+              <a:t>3</a:t>
             </a:fld>
             <a:endParaRPr lang="en-US"/>
           </a:p>
@@ -630,7 +629,7 @@
     </p:spTree>
     <p:extLst>
       <p:ext uri="{BB962C8B-B14F-4D97-AF65-F5344CB8AC3E}">
-        <p14:creationId xmlns:p14="http://schemas.microsoft.com/office/powerpoint/2010/main" val="1835544401"/>
+        <p14:creationId xmlns:p14="http://schemas.microsoft.com/office/powerpoint/2010/main" val="1281124077"/>
       </p:ext>
     </p:extLst>
   </p:cSld>
@@ -705,7 +704,7 @@
           <a:p>
             <a:fld id="{55F87E3E-B2E0-8A4D-AB67-29BF6C02E28F}" type="slidenum">
               <a:rPr lang="en-US" smtClean="0"/>
-              <a:t>7</a:t>
+              <a:t>4</a:t>
             </a:fld>
             <a:endParaRPr lang="en-US"/>
           </a:p>
@@ -714,322 +713,7 @@
     </p:spTree>
     <p:extLst>
       <p:ext uri="{BB962C8B-B14F-4D97-AF65-F5344CB8AC3E}">
-        <p14:creationId xmlns:p14="http://schemas.microsoft.com/office/powerpoint/2010/main" val="1100305788"/>
-      </p:ext>
-    </p:extLst>
-  </p:cSld>
-  <p:clrMapOvr>
-    <a:masterClrMapping/>
-  </p:clrMapOvr>
-</p:notes>
-</file>
-
-<file path=ppt/notesSlides/notesSlide4.xml><?xml version="1.0" encoding="utf-8"?>
-<p:notes xmlns:a="http://schemas.openxmlformats.org/drawingml/2006/main" xmlns:r="http://schemas.openxmlformats.org/officeDocument/2006/relationships" xmlns:p="http://schemas.openxmlformats.org/presentationml/2006/main">
-  <p:cSld>
-    <p:spTree>
-      <p:nvGrpSpPr>
-        <p:cNvPr id="1" name=""/>
-        <p:cNvGrpSpPr/>
-        <p:nvPr/>
-      </p:nvGrpSpPr>
-      <p:grpSpPr>
-        <a:xfrm>
-          <a:off x="0" y="0"/>
-          <a:ext cx="0" cy="0"/>
-          <a:chOff x="0" y="0"/>
-          <a:chExt cx="0" cy="0"/>
-        </a:xfrm>
-      </p:grpSpPr>
-      <p:sp>
-        <p:nvSpPr>
-          <p:cNvPr id="2" name="Slide Image Placeholder 1"/>
-          <p:cNvSpPr>
-            <a:spLocks noGrp="1" noRot="1" noChangeAspect="1"/>
-          </p:cNvSpPr>
-          <p:nvPr>
-            <p:ph type="sldImg"/>
-          </p:nvPr>
-        </p:nvSpPr>
-        <p:spPr/>
-      </p:sp>
-      <p:sp>
-        <p:nvSpPr>
-          <p:cNvPr id="3" name="Notes Placeholder 2"/>
-          <p:cNvSpPr>
-            <a:spLocks noGrp="1"/>
-          </p:cNvSpPr>
-          <p:nvPr>
-            <p:ph type="body" idx="1"/>
-          </p:nvPr>
-        </p:nvSpPr>
-        <p:spPr/>
-        <p:txBody>
-          <a:bodyPr/>
-          <a:lstStyle/>
-          <a:p>
-            <a:r>
-              <a:rPr lang="en-US" dirty="0" smtClean="0"/>
-              <a:t>import</a:t>
-            </a:r>
-            <a:r>
-              <a:rPr lang="en-US" baseline="0" dirty="0" smtClean="0"/>
-              <a:t> time</a:t>
-            </a:r>
-          </a:p>
-          <a:p>
-            <a:r>
-              <a:rPr lang="en-US" baseline="0" dirty="0" smtClean="0"/>
-              <a:t>import </a:t>
-            </a:r>
-            <a:r>
-              <a:rPr lang="en-US" baseline="0" dirty="0" err="1" smtClean="0"/>
-              <a:t>getpass</a:t>
-            </a:r>
-            <a:endParaRPr lang="en-US" baseline="0" dirty="0" smtClean="0"/>
-          </a:p>
-          <a:p>
-            <a:r>
-              <a:rPr lang="en-US" baseline="0" dirty="0" smtClean="0"/>
-              <a:t>import </a:t>
-            </a:r>
-            <a:r>
-              <a:rPr lang="en-US" baseline="0" dirty="0" err="1" smtClean="0"/>
-              <a:t>os</a:t>
-            </a:r>
-            <a:endParaRPr lang="en-US" baseline="0" dirty="0" smtClean="0"/>
-          </a:p>
-          <a:p>
-            <a:endParaRPr lang="en-US" dirty="0" smtClean="0"/>
-          </a:p>
-          <a:p>
-            <a:r>
-              <a:rPr lang="en-US" dirty="0" smtClean="0"/>
-              <a:t>If you need to pause</a:t>
-            </a:r>
-            <a:r>
-              <a:rPr lang="en-US" baseline="0" dirty="0" smtClean="0"/>
-              <a:t> your program to allow an auxiliary process finish completing, you can pause your code execution.</a:t>
-            </a:r>
-            <a:endParaRPr lang="en-US" dirty="0" smtClean="0"/>
-          </a:p>
-          <a:p>
-            <a:endParaRPr lang="en-US" dirty="0" smtClean="0"/>
-          </a:p>
-          <a:p>
-            <a:r>
-              <a:rPr lang="en-US" dirty="0" smtClean="0"/>
-              <a:t>while True:</a:t>
-            </a:r>
-          </a:p>
-          <a:p>
-            <a:r>
-              <a:rPr lang="en-US" dirty="0" smtClean="0"/>
-              <a:t>    </a:t>
-            </a:r>
-            <a:r>
-              <a:rPr lang="en-US" dirty="0" err="1" smtClean="0"/>
-              <a:t>time.sleep</a:t>
-            </a:r>
-            <a:r>
-              <a:rPr lang="en-US" dirty="0" smtClean="0"/>
-              <a:t>(4)</a:t>
-            </a:r>
-          </a:p>
-          <a:p>
-            <a:r>
-              <a:rPr lang="en-US" dirty="0" smtClean="0"/>
-              <a:t>    print("We have looped so many times....")</a:t>
-            </a:r>
-          </a:p>
-          <a:p>
-            <a:endParaRPr lang="en-US" dirty="0" smtClean="0"/>
-          </a:p>
-          <a:p>
-            <a:endParaRPr lang="en-US" dirty="0" smtClean="0"/>
-          </a:p>
-          <a:p>
-            <a:r>
-              <a:rPr lang="en-US" dirty="0" smtClean="0"/>
-              <a:t>login </a:t>
-            </a:r>
-            <a:r>
-              <a:rPr lang="en-US" sz="1200" kern="1200" dirty="0" smtClean="0">
-                <a:solidFill>
-                  <a:schemeClr val="tx1"/>
-                </a:solidFill>
-                <a:effectLst/>
-                <a:latin typeface="+mn-lt"/>
-                <a:ea typeface="+mn-ea"/>
-                <a:cs typeface="+mn-cs"/>
-              </a:rPr>
-              <a:t>=</a:t>
-            </a:r>
-            <a:r>
-              <a:rPr lang="en-US" dirty="0" smtClean="0"/>
-              <a:t> </a:t>
-            </a:r>
-            <a:r>
-              <a:rPr lang="en-US" sz="1200" kern="1200" dirty="0" smtClean="0">
-                <a:solidFill>
-                  <a:schemeClr val="tx1"/>
-                </a:solidFill>
-                <a:effectLst/>
-                <a:latin typeface="+mn-lt"/>
-                <a:ea typeface="+mn-ea"/>
-                <a:cs typeface="+mn-cs"/>
-              </a:rPr>
-              <a:t>input</a:t>
-            </a:r>
-            <a:r>
-              <a:rPr lang="en-US" dirty="0" smtClean="0"/>
-              <a:t>(</a:t>
-            </a:r>
-            <a:r>
-              <a:rPr lang="en-US" sz="1200" kern="1200" dirty="0" smtClean="0">
-                <a:solidFill>
-                  <a:schemeClr val="tx1"/>
-                </a:solidFill>
-                <a:effectLst/>
-                <a:latin typeface="+mn-lt"/>
-                <a:ea typeface="+mn-ea"/>
-                <a:cs typeface="+mn-cs"/>
-              </a:rPr>
-              <a:t>'Enter your</a:t>
-            </a:r>
-            <a:r>
-              <a:rPr lang="en-US" sz="1200" kern="1200" baseline="0" dirty="0" smtClean="0">
-                <a:solidFill>
-                  <a:schemeClr val="tx1"/>
-                </a:solidFill>
-                <a:effectLst/>
-                <a:latin typeface="+mn-lt"/>
-                <a:ea typeface="+mn-ea"/>
-                <a:cs typeface="+mn-cs"/>
-              </a:rPr>
-              <a:t> username</a:t>
-            </a:r>
-            <a:r>
-              <a:rPr lang="en-US" sz="1200" kern="1200" dirty="0" smtClean="0">
-                <a:solidFill>
-                  <a:schemeClr val="tx1"/>
-                </a:solidFill>
-                <a:effectLst/>
-                <a:latin typeface="+mn-lt"/>
-                <a:ea typeface="+mn-ea"/>
-                <a:cs typeface="+mn-cs"/>
-              </a:rPr>
-              <a:t>:  '</a:t>
-            </a:r>
-            <a:r>
-              <a:rPr lang="en-US" dirty="0" smtClean="0"/>
-              <a:t>)</a:t>
-            </a:r>
-          </a:p>
-          <a:p>
-            <a:r>
-              <a:rPr lang="en-US" dirty="0" err="1" smtClean="0"/>
-              <a:t>mypass</a:t>
-            </a:r>
-            <a:r>
-              <a:rPr lang="en-US" dirty="0" smtClean="0"/>
-              <a:t> = </a:t>
-            </a:r>
-            <a:r>
-              <a:rPr lang="en-US" dirty="0" err="1" smtClean="0"/>
-              <a:t>getpass.getpass</a:t>
-            </a:r>
-            <a:r>
-              <a:rPr lang="en-US" dirty="0" smtClean="0"/>
-              <a:t>("Please enter your get password:")</a:t>
-            </a:r>
-          </a:p>
-          <a:p>
-            <a:endParaRPr lang="en-US" dirty="0" smtClean="0"/>
-          </a:p>
-          <a:p>
-            <a:r>
-              <a:rPr lang="en-US" dirty="0" smtClean="0"/>
-              <a:t>print(</a:t>
-            </a:r>
-            <a:r>
-              <a:rPr lang="en-US" dirty="0" err="1" smtClean="0"/>
-              <a:t>mypass</a:t>
-            </a:r>
-            <a:r>
-              <a:rPr lang="en-US" dirty="0" smtClean="0"/>
-              <a:t>)</a:t>
-            </a:r>
-          </a:p>
-          <a:p>
-            <a:endParaRPr lang="en-US" dirty="0" smtClean="0"/>
-          </a:p>
-          <a:p>
-            <a:r>
-              <a:rPr lang="en-US" dirty="0" err="1" smtClean="0"/>
-              <a:t>os.system</a:t>
-            </a:r>
-            <a:r>
-              <a:rPr lang="en-US" dirty="0" smtClean="0"/>
-              <a:t>("ls -</a:t>
-            </a:r>
-            <a:r>
-              <a:rPr lang="en-US" dirty="0" err="1" smtClean="0"/>
-              <a:t>ltr</a:t>
-            </a:r>
-            <a:r>
-              <a:rPr lang="en-US" dirty="0" smtClean="0"/>
-              <a:t>")</a:t>
-            </a:r>
-          </a:p>
-          <a:p>
-            <a:endParaRPr lang="en-US" dirty="0" smtClean="0"/>
-          </a:p>
-          <a:p>
-            <a:r>
-              <a:rPr lang="en-US" dirty="0" err="1" smtClean="0"/>
-              <a:t>os.system</a:t>
-            </a:r>
-            <a:r>
-              <a:rPr lang="en-US" dirty="0" smtClean="0"/>
-              <a:t>("echo 'HI!'")</a:t>
-            </a:r>
-          </a:p>
-          <a:p>
-            <a:endParaRPr lang="en-US" dirty="0" smtClean="0"/>
-          </a:p>
-          <a:p>
-            <a:endParaRPr lang="en-US" dirty="0"/>
-          </a:p>
-        </p:txBody>
-      </p:sp>
-      <p:sp>
-        <p:nvSpPr>
-          <p:cNvPr id="4" name="Slide Number Placeholder 3"/>
-          <p:cNvSpPr>
-            <a:spLocks noGrp="1"/>
-          </p:cNvSpPr>
-          <p:nvPr>
-            <p:ph type="sldNum" sz="quarter" idx="10"/>
-          </p:nvPr>
-        </p:nvSpPr>
-        <p:spPr/>
-        <p:txBody>
-          <a:bodyPr/>
-          <a:lstStyle/>
-          <a:p>
-            <a:fld id="{55F87E3E-B2E0-8A4D-AB67-29BF6C02E28F}" type="slidenum">
-              <a:rPr lang="en-US" smtClean="0"/>
-              <a:t>8</a:t>
-            </a:fld>
-            <a:endParaRPr lang="en-US"/>
-          </a:p>
-        </p:txBody>
-      </p:sp>
-    </p:spTree>
-    <p:extLst>
-      <p:ext uri="{BB962C8B-B14F-4D97-AF65-F5344CB8AC3E}">
-        <p14:creationId xmlns:p14="http://schemas.microsoft.com/office/powerpoint/2010/main" val="976675401"/>
+        <p14:creationId xmlns:p14="http://schemas.microsoft.com/office/powerpoint/2010/main" val="1573257711"/>
       </p:ext>
     </p:extLst>
   </p:cSld>
@@ -4105,7 +3789,23 @@
           <a:p>
             <a:r>
               <a:rPr lang="en-US" dirty="0" smtClean="0"/>
-              <a:t>File restoration</a:t>
+              <a:t>File </a:t>
+            </a:r>
+            <a:r>
+              <a:rPr lang="en-US" dirty="0" smtClean="0"/>
+              <a:t>restoration</a:t>
+            </a:r>
+          </a:p>
+          <a:p>
+            <a:endParaRPr lang="en-US" dirty="0"/>
+          </a:p>
+          <a:p>
+            <a:pPr marL="0" indent="0">
+              <a:buNone/>
+            </a:pPr>
+            <a:r>
+              <a:rPr lang="en-US" dirty="0" smtClean="0"/>
+              <a:t>*******It is wise to commit often as you make changes</a:t>
             </a:r>
             <a:endParaRPr lang="en-US" dirty="0"/>
           </a:p>
@@ -4195,14 +3895,62 @@
             </a:r>
             <a:r>
               <a:rPr lang="en-US" dirty="0" smtClean="0">
-                <a:hlinkClick r:id="rId2"/>
+                <a:hlinkClick r:id="rId3"/>
               </a:rPr>
               <a:t>https://github.com</a:t>
             </a:r>
-            <a:endParaRPr lang="en-US" smtClean="0"/>
-          </a:p>
-          <a:p>
-            <a:endParaRPr lang="en-US"/>
+            <a:r>
+              <a:rPr lang="en-US" dirty="0" smtClean="0"/>
+              <a:t> and create an account</a:t>
+            </a:r>
+          </a:p>
+          <a:p>
+            <a:r>
+              <a:rPr lang="en-US" dirty="0" smtClean="0"/>
+              <a:t>Start a project</a:t>
+            </a:r>
+            <a:r>
+              <a:rPr lang="en-US" dirty="0"/>
+              <a:t> </a:t>
+            </a:r>
+            <a:r>
+              <a:rPr lang="en-US" dirty="0" smtClean="0"/>
+              <a:t>and give it a name</a:t>
+            </a:r>
+          </a:p>
+          <a:p>
+            <a:r>
+              <a:rPr lang="en-US" dirty="0" smtClean="0"/>
+              <a:t>Public/Private</a:t>
+            </a:r>
+          </a:p>
+          <a:p>
+            <a:pPr lvl="1"/>
+            <a:r>
+              <a:rPr lang="en-US" dirty="0" smtClean="0"/>
+              <a:t>Public everyone on the internet will have access for viewing and cloning</a:t>
+            </a:r>
+          </a:p>
+          <a:p>
+            <a:pPr lvl="1"/>
+            <a:r>
+              <a:rPr lang="en-US" dirty="0" smtClean="0"/>
+              <a:t>Private, you can setup access for who you wish to grant access to your project</a:t>
+            </a:r>
+          </a:p>
+          <a:p>
+            <a:r>
+              <a:rPr lang="en-US" dirty="0" smtClean="0"/>
+              <a:t>Add python for .</a:t>
+            </a:r>
+            <a:r>
+              <a:rPr lang="en-US" dirty="0" err="1" smtClean="0"/>
+              <a:t>gitignore</a:t>
+            </a:r>
+            <a:endParaRPr lang="en-US" dirty="0" smtClean="0"/>
+          </a:p>
+          <a:p>
+            <a:endParaRPr lang="en-US" dirty="0"/>
           </a:p>
         </p:txBody>
       </p:sp>
@@ -4252,56 +4000,141 @@
           <a:lstStyle/>
           <a:p>
             <a:r>
+              <a:rPr lang="en-US" dirty="0" err="1" smtClean="0"/>
+              <a:t>Git</a:t>
+            </a:r>
+            <a:r>
               <a:rPr lang="en-US" dirty="0" smtClean="0"/>
-              <a:t>Questions?</a:t>
+              <a:t> (continued)</a:t>
             </a:r>
             <a:endParaRPr lang="en-US" dirty="0"/>
           </a:p>
         </p:txBody>
       </p:sp>
-      <p:pic>
-        <p:nvPicPr>
-          <p:cNvPr id="4" name="Content Placeholder 3"/>
-          <p:cNvPicPr>
-            <a:picLocks noGrp="1" noChangeAspect="1"/>
-          </p:cNvPicPr>
+      <p:sp>
+        <p:nvSpPr>
+          <p:cNvPr id="3" name="Content Placeholder 2"/>
+          <p:cNvSpPr>
+            <a:spLocks noGrp="1"/>
+          </p:cNvSpPr>
           <p:nvPr>
             <p:ph idx="1"/>
           </p:nvPr>
-        </p:nvPicPr>
-        <p:blipFill>
-          <a:blip r:embed="rId2"/>
-          <a:stretch>
-            <a:fillRect/>
-          </a:stretch>
-        </p:blipFill>
-        <p:spPr>
-          <a:xfrm>
-            <a:off x="4305300" y="2864644"/>
-            <a:ext cx="3581400" cy="2273300"/>
-          </a:xfrm>
-          <a:prstGeom prst="rect">
-            <a:avLst/>
-          </a:prstGeom>
-        </p:spPr>
-      </p:pic>
+        </p:nvSpPr>
+        <p:spPr/>
+        <p:txBody>
+          <a:bodyPr/>
+          <a:lstStyle/>
+          <a:p>
+            <a:pPr marL="0" indent="0">
+              <a:buNone/>
+            </a:pPr>
+            <a:r>
+              <a:rPr lang="en-US" b="1" dirty="0" smtClean="0"/>
+              <a:t>On your laptop</a:t>
+            </a:r>
+          </a:p>
+          <a:p>
+            <a:r>
+              <a:rPr lang="en-US" dirty="0" err="1"/>
+              <a:t>git</a:t>
+            </a:r>
+            <a:r>
+              <a:rPr lang="en-US" dirty="0"/>
+              <a:t> remote add origin </a:t>
+            </a:r>
+            <a:r>
+              <a:rPr lang="en-US" dirty="0">
+                <a:hlinkClick r:id="rId3" invalidUrl="https://github.com/[username]/[repo].git"/>
+              </a:rPr>
+              <a:t>https://</a:t>
+            </a:r>
+            <a:r>
+              <a:rPr lang="en-US" dirty="0" smtClean="0">
+                <a:hlinkClick r:id="rId4" invalidUrl="https://github.com/[username]/[repo].git"/>
+              </a:rPr>
+              <a:t>github.com/[username]/[repo].git</a:t>
+            </a:r>
+            <a:endParaRPr lang="en-US" dirty="0" smtClean="0"/>
+          </a:p>
+          <a:p>
+            <a:r>
+              <a:rPr lang="en-US" dirty="0" err="1"/>
+              <a:t>g</a:t>
+            </a:r>
+            <a:r>
+              <a:rPr lang="en-US" dirty="0" err="1" smtClean="0"/>
+              <a:t>it</a:t>
+            </a:r>
+            <a:r>
+              <a:rPr lang="en-US" dirty="0" smtClean="0"/>
+              <a:t> remote </a:t>
+            </a:r>
+            <a:r>
+              <a:rPr lang="mr-IN" dirty="0" smtClean="0"/>
+              <a:t>–</a:t>
+            </a:r>
+            <a:r>
+              <a:rPr lang="en-US" dirty="0" smtClean="0"/>
+              <a:t>v to check we have the origin of the repo</a:t>
+            </a:r>
+          </a:p>
+          <a:p>
+            <a:r>
+              <a:rPr lang="en-US" dirty="0" err="1"/>
+              <a:t>git</a:t>
+            </a:r>
+            <a:r>
+              <a:rPr lang="en-US" dirty="0"/>
+              <a:t> pull origin </a:t>
+            </a:r>
+            <a:r>
+              <a:rPr lang="en-US" dirty="0" smtClean="0"/>
+              <a:t>master</a:t>
+            </a:r>
+          </a:p>
+          <a:p>
+            <a:r>
+              <a:rPr lang="en-US" dirty="0" err="1"/>
+              <a:t>git</a:t>
+            </a:r>
+            <a:r>
+              <a:rPr lang="en-US" dirty="0"/>
+              <a:t> push --set-upstream origin </a:t>
+            </a:r>
+            <a:r>
+              <a:rPr lang="en-US" dirty="0" smtClean="0"/>
+              <a:t>master</a:t>
+            </a:r>
+          </a:p>
+          <a:p>
+            <a:pPr marL="0" indent="0">
+              <a:buNone/>
+            </a:pPr>
+            <a:endParaRPr lang="en-US" dirty="0" smtClean="0"/>
+          </a:p>
+          <a:p>
+            <a:pPr marL="0" indent="0">
+              <a:buNone/>
+            </a:pPr>
+            <a:r>
+              <a:rPr lang="en-US" b="1" dirty="0" smtClean="0"/>
+              <a:t>Read to start coding!!!!</a:t>
+            </a:r>
+            <a:endParaRPr lang="en-US" b="1" dirty="0"/>
+          </a:p>
+        </p:txBody>
+      </p:sp>
     </p:spTree>
     <p:extLst>
       <p:ext uri="{BB962C8B-B14F-4D97-AF65-F5344CB8AC3E}">
-        <p14:creationId xmlns:p14="http://schemas.microsoft.com/office/powerpoint/2010/main" val="1850515181"/>
+        <p14:creationId xmlns:p14="http://schemas.microsoft.com/office/powerpoint/2010/main" val="1895161315"/>
       </p:ext>
     </p:extLst>
   </p:cSld>
   <p:clrMapOvr>
     <a:masterClrMapping/>
   </p:clrMapOvr>
-  <p:timing>
-    <p:tnLst>
-      <p:par>
-        <p:cTn id="1" dur="indefinite" restart="never" nodeType="tmRoot"/>
-      </p:par>
-    </p:tnLst>
-  </p:timing>
 </p:sld>
 </file>
 
@@ -4339,7 +4172,15 @@
           <a:p>
             <a:r>
               <a:rPr lang="en-US" dirty="0" smtClean="0"/>
-              <a:t>Functions</a:t>
+              <a:t>Routine </a:t>
+            </a:r>
+            <a:r>
+              <a:rPr lang="en-US" dirty="0" err="1" smtClean="0"/>
+              <a:t>Git</a:t>
+            </a:r>
+            <a:r>
+              <a:rPr lang="en-US" dirty="0" smtClean="0"/>
+              <a:t> tasks</a:t>
             </a:r>
             <a:endParaRPr lang="en-US" dirty="0"/>
           </a:p>
@@ -4357,116 +4198,105 @@
         </p:nvSpPr>
         <p:spPr/>
         <p:txBody>
-          <a:bodyPr>
-            <a:normAutofit fontScale="92500" lnSpcReduction="20000"/>
-          </a:bodyPr>
-          <a:lstStyle/>
-          <a:p>
-            <a:pPr marL="0" indent="0">
-              <a:buNone/>
-            </a:pPr>
-            <a:r>
-              <a:rPr lang="en-US" b="1" dirty="0" smtClean="0"/>
-              <a:t>The </a:t>
-            </a:r>
-            <a:r>
-              <a:rPr lang="en-US" b="1" dirty="0" err="1" smtClean="0"/>
-              <a:t>interweb</a:t>
-            </a:r>
-            <a:r>
-              <a:rPr lang="en-US" b="1" dirty="0" smtClean="0"/>
-              <a:t> definition:</a:t>
-            </a:r>
-          </a:p>
-          <a:p>
-            <a:pPr marL="0" indent="0">
-              <a:buNone/>
-            </a:pPr>
+          <a:bodyPr/>
+          <a:lstStyle/>
+          <a:p>
             <a:r>
               <a:rPr lang="en-US" dirty="0" smtClean="0"/>
-              <a:t>A </a:t>
-            </a:r>
-            <a:r>
-              <a:rPr lang="en-US" dirty="0"/>
-              <a:t>function is a block of organized, reusable code that is used to perform a single, related action. Functions provide better modularity for your application and a high degree of code reusing.</a:t>
-            </a:r>
-          </a:p>
-          <a:p>
+              <a:t>Once you make changes:</a:t>
+            </a:r>
+          </a:p>
+          <a:p>
+            <a:pPr lvl="1"/>
+            <a:r>
+              <a:rPr lang="en-US" dirty="0" err="1"/>
+              <a:t>g</a:t>
+            </a:r>
+            <a:r>
+              <a:rPr lang="en-US" dirty="0" err="1" smtClean="0"/>
+              <a:t>it</a:t>
+            </a:r>
+            <a:r>
+              <a:rPr lang="en-US" dirty="0" smtClean="0"/>
+              <a:t> add .</a:t>
+            </a:r>
+          </a:p>
+          <a:p>
+            <a:pPr lvl="2"/>
+            <a:r>
+              <a:rPr lang="en-US" dirty="0" smtClean="0"/>
+              <a:t>Adds all files you wish to track</a:t>
+            </a:r>
+          </a:p>
+          <a:p>
+            <a:pPr lvl="1"/>
+            <a:r>
+              <a:rPr lang="en-US" dirty="0" err="1"/>
+              <a:t>g</a:t>
+            </a:r>
+            <a:r>
+              <a:rPr lang="en-US" dirty="0" err="1" smtClean="0"/>
+              <a:t>it</a:t>
+            </a:r>
+            <a:r>
+              <a:rPr lang="en-US" dirty="0" smtClean="0"/>
+              <a:t> commit </a:t>
+            </a:r>
+            <a:r>
+              <a:rPr lang="mr-IN" dirty="0" smtClean="0"/>
+              <a:t>–</a:t>
+            </a:r>
+            <a:r>
+              <a:rPr lang="en-US" dirty="0" smtClean="0"/>
+              <a:t>m “Comments to describe your changes”</a:t>
+            </a:r>
+          </a:p>
+          <a:p>
+            <a:pPr lvl="2"/>
+            <a:r>
+              <a:rPr lang="en-US" dirty="0" smtClean="0"/>
+              <a:t>Point of reference of when changes were made.</a:t>
+            </a:r>
+          </a:p>
+          <a:p>
+            <a:pPr lvl="1"/>
+            <a:r>
+              <a:rPr lang="en-US" dirty="0" err="1"/>
+              <a:t>g</a:t>
+            </a:r>
+            <a:r>
+              <a:rPr lang="en-US" dirty="0" err="1" smtClean="0"/>
+              <a:t>it</a:t>
+            </a:r>
+            <a:r>
+              <a:rPr lang="en-US" dirty="0" smtClean="0"/>
+              <a:t> push</a:t>
+            </a:r>
+          </a:p>
+          <a:p>
+            <a:pPr lvl="2"/>
+            <a:r>
+              <a:rPr lang="en-US" dirty="0" smtClean="0"/>
+              <a:t>Push your changes to your upstream repo.  In our case it will be the project we created earlier in </a:t>
+            </a:r>
+            <a:r>
+              <a:rPr lang="en-US" dirty="0" err="1" smtClean="0"/>
+              <a:t>Github</a:t>
+            </a:r>
+            <a:r>
+              <a:rPr lang="en-US" dirty="0" smtClean="0"/>
+              <a:t>.</a:t>
+            </a:r>
+          </a:p>
+          <a:p>
+            <a:pPr lvl="2"/>
+            <a:endParaRPr lang="en-US" dirty="0" smtClean="0"/>
+          </a:p>
+          <a:p>
+            <a:pPr lvl="1"/>
             <a:endParaRPr lang="en-US" dirty="0"/>
           </a:p>
           <a:p>
-            <a:pPr marL="0" indent="0">
-              <a:buNone/>
-            </a:pPr>
-            <a:r>
-              <a:rPr lang="en-US" dirty="0" smtClean="0"/>
-              <a:t>Example:</a:t>
-            </a:r>
-          </a:p>
-          <a:p>
-            <a:pPr marL="0" indent="0">
-              <a:buNone/>
-            </a:pPr>
-            <a:r>
-              <a:rPr lang="en-US" dirty="0" err="1" smtClean="0"/>
-              <a:t>def</a:t>
-            </a:r>
-            <a:r>
-              <a:rPr lang="en-US" dirty="0" smtClean="0"/>
-              <a:t> </a:t>
-            </a:r>
-            <a:r>
-              <a:rPr lang="en-US" dirty="0" err="1" smtClean="0"/>
-              <a:t>my_function</a:t>
-            </a:r>
-            <a:r>
-              <a:rPr lang="en-US" dirty="0" smtClean="0"/>
-              <a:t>(x):</a:t>
-            </a:r>
-          </a:p>
-          <a:p>
-            <a:pPr marL="0" indent="0">
-              <a:buNone/>
-            </a:pPr>
-            <a:r>
-              <a:rPr lang="en-US" dirty="0"/>
-              <a:t> </a:t>
-            </a:r>
-            <a:r>
-              <a:rPr lang="en-US" dirty="0" smtClean="0"/>
-              <a:t>   do something</a:t>
-            </a:r>
-          </a:p>
-          <a:p>
-            <a:pPr marL="0" indent="0">
-              <a:buNone/>
-            </a:pPr>
-            <a:r>
-              <a:rPr lang="en-US" dirty="0"/>
-              <a:t> </a:t>
-            </a:r>
-            <a:r>
-              <a:rPr lang="en-US" dirty="0" smtClean="0"/>
-              <a:t>   return something  </a:t>
-            </a:r>
-            <a:r>
-              <a:rPr lang="en-US" dirty="0" smtClean="0">
-                <a:sym typeface="Wingdings"/>
-              </a:rPr>
-              <a:t> This is optional</a:t>
-            </a:r>
-          </a:p>
-          <a:p>
-            <a:pPr marL="0" indent="0">
-              <a:buNone/>
-            </a:pPr>
-            <a:r>
-              <a:rPr lang="en-US" dirty="0"/>
-              <a:t/>
-            </a:r>
-            <a:br>
-              <a:rPr lang="en-US" dirty="0"/>
-            </a:br>
             <a:endParaRPr lang="en-US" dirty="0"/>
           </a:p>
         </p:txBody>
@@ -4474,7 +4304,7 @@
     </p:spTree>
     <p:extLst>
       <p:ext uri="{BB962C8B-B14F-4D97-AF65-F5344CB8AC3E}">
-        <p14:creationId xmlns:p14="http://schemas.microsoft.com/office/powerpoint/2010/main" val="1675177012"/>
+        <p14:creationId xmlns:p14="http://schemas.microsoft.com/office/powerpoint/2010/main" val="1916808258"/>
       </p:ext>
     </p:extLst>
   </p:cSld>
@@ -4518,53 +4348,93 @@
           <a:p>
             <a:r>
               <a:rPr lang="en-US" dirty="0" smtClean="0"/>
-              <a:t>Examples</a:t>
+              <a:t>I deleted a file!!!!!  OMG!!!!!</a:t>
             </a:r>
             <a:endParaRPr lang="en-US" dirty="0"/>
           </a:p>
         </p:txBody>
       </p:sp>
-      <p:sp>
-        <p:nvSpPr>
-          <p:cNvPr id="3" name="Content Placeholder 2"/>
-          <p:cNvSpPr>
-            <a:spLocks noGrp="1"/>
-          </p:cNvSpPr>
+      <p:pic>
+        <p:nvPicPr>
+          <p:cNvPr id="7" name="Content Placeholder 6"/>
+          <p:cNvPicPr>
+            <a:picLocks noGrp="1" noChangeAspect="1"/>
+          </p:cNvPicPr>
           <p:nvPr>
             <p:ph idx="1"/>
           </p:nvPr>
-        </p:nvSpPr>
-        <p:spPr/>
-        <p:txBody>
-          <a:bodyPr/>
-          <a:lstStyle/>
-          <a:p>
-            <a:r>
-              <a:rPr lang="en-US" dirty="0"/>
-              <a:t>Should I have them code along with me on these slides or the previous slide when I share examples?</a:t>
-            </a:r>
-          </a:p>
-          <a:p>
-            <a:r>
-              <a:rPr lang="en-US" dirty="0"/>
-              <a:t>Or show a few freehand examples?</a:t>
-            </a:r>
-          </a:p>
-          <a:p>
-            <a:endParaRPr lang="en-US" dirty="0"/>
+        </p:nvPicPr>
+        <p:blipFill>
+          <a:blip r:embed="rId2"/>
+          <a:stretch>
+            <a:fillRect/>
+          </a:stretch>
+        </p:blipFill>
+        <p:spPr>
+          <a:xfrm>
+            <a:off x="4349750" y="2839244"/>
+            <a:ext cx="3492500" cy="2324100"/>
+          </a:xfrm>
+          <a:prstGeom prst="rect">
+            <a:avLst/>
+          </a:prstGeom>
+        </p:spPr>
+      </p:pic>
+      <p:sp>
+        <p:nvSpPr>
+          <p:cNvPr id="8" name="TextBox 7"/>
+          <p:cNvSpPr txBox="1"/>
+          <p:nvPr/>
+        </p:nvSpPr>
+        <p:spPr>
+          <a:xfrm>
+            <a:off x="1000664" y="1895634"/>
+            <a:ext cx="4747133" cy="461665"/>
+          </a:xfrm>
+          <a:prstGeom prst="rect">
+            <a:avLst/>
+          </a:prstGeom>
+          <a:noFill/>
+        </p:spPr>
+        <p:txBody>
+          <a:bodyPr wrap="none" rtlCol="0">
+            <a:spAutoFit/>
+          </a:bodyPr>
+          <a:lstStyle/>
+          <a:p>
+            <a:r>
+              <a:rPr lang="en-US" sz="2400" dirty="0" smtClean="0"/>
+              <a:t>Never fear, </a:t>
+            </a:r>
+            <a:r>
+              <a:rPr lang="en-US" sz="2400" dirty="0" err="1" smtClean="0"/>
+              <a:t>Git</a:t>
+            </a:r>
+            <a:r>
+              <a:rPr lang="en-US" sz="2400" dirty="0" smtClean="0"/>
+              <a:t> always has your back.</a:t>
+            </a:r>
+            <a:endParaRPr lang="en-US" sz="2400" dirty="0"/>
           </a:p>
         </p:txBody>
       </p:sp>
     </p:spTree>
     <p:extLst>
       <p:ext uri="{BB962C8B-B14F-4D97-AF65-F5344CB8AC3E}">
-        <p14:creationId xmlns:p14="http://schemas.microsoft.com/office/powerpoint/2010/main" val="1392158452"/>
+        <p14:creationId xmlns:p14="http://schemas.microsoft.com/office/powerpoint/2010/main" val="1850515181"/>
       </p:ext>
     </p:extLst>
   </p:cSld>
   <p:clrMapOvr>
     <a:masterClrMapping/>
   </p:clrMapOvr>
+  <p:timing>
+    <p:tnLst>
+      <p:par>
+        <p:cTn id="1" dur="indefinite" restart="never" nodeType="tmRoot"/>
+      </p:par>
+    </p:tnLst>
+  </p:timing>
 </p:sld>
 </file>
 
@@ -4602,7 +4472,11 @@
           <a:p>
             <a:r>
               <a:rPr lang="en-US" dirty="0" smtClean="0"/>
-              <a:t>Imports</a:t>
+              <a:t>Turn back time with </a:t>
+            </a:r>
+            <a:r>
+              <a:rPr lang="en-US" dirty="0" err="1" smtClean="0"/>
+              <a:t>Git</a:t>
             </a:r>
             <a:endParaRPr lang="en-US" dirty="0"/>
           </a:p>
@@ -4623,64 +4497,6 @@
           <a:bodyPr/>
           <a:lstStyle/>
           <a:p>
-            <a:pPr marL="0" indent="0">
-              <a:buNone/>
-            </a:pPr>
-            <a:r>
-              <a:rPr lang="en-US" dirty="0" smtClean="0"/>
-              <a:t>If you require special handling of data types or are in need of other unique functions, likely you will import a module.</a:t>
-            </a:r>
-          </a:p>
-          <a:p>
-            <a:pPr marL="0" indent="0">
-              <a:buNone/>
-            </a:pPr>
-            <a:endParaRPr lang="en-US" dirty="0" smtClean="0"/>
-          </a:p>
-          <a:p>
-            <a:pPr marL="0" indent="0">
-              <a:buNone/>
-            </a:pPr>
-            <a:r>
-              <a:rPr lang="en-US" dirty="0" smtClean="0"/>
-              <a:t>Examples:</a:t>
-            </a:r>
-            <a:endParaRPr lang="en-US" dirty="0"/>
-          </a:p>
-          <a:p>
-            <a:r>
-              <a:rPr lang="en-US" dirty="0"/>
-              <a:t>t</a:t>
-            </a:r>
-            <a:r>
-              <a:rPr lang="en-US" dirty="0" smtClean="0"/>
-              <a:t>ime</a:t>
-            </a:r>
-          </a:p>
-          <a:p>
-            <a:r>
-              <a:rPr lang="en-US" dirty="0" err="1" smtClean="0"/>
-              <a:t>getpass</a:t>
-            </a:r>
-            <a:endParaRPr lang="en-US" dirty="0"/>
-          </a:p>
-          <a:p>
-            <a:r>
-              <a:rPr lang="en-US" dirty="0" err="1" smtClean="0"/>
-              <a:t>os</a:t>
-            </a:r>
-            <a:endParaRPr lang="en-US" dirty="0" smtClean="0"/>
-          </a:p>
-          <a:p>
-            <a:pPr marL="0" indent="0">
-              <a:buNone/>
-            </a:pPr>
-            <a:endParaRPr lang="en-US" dirty="0"/>
-          </a:p>
-          <a:p>
-            <a:pPr marL="0" indent="0">
-              <a:buNone/>
-            </a:pPr>
             <a:endParaRPr lang="en-US" dirty="0"/>
           </a:p>
         </p:txBody>
@@ -4688,104 +4504,13 @@
     </p:spTree>
     <p:extLst>
       <p:ext uri="{BB962C8B-B14F-4D97-AF65-F5344CB8AC3E}">
-        <p14:creationId xmlns:p14="http://schemas.microsoft.com/office/powerpoint/2010/main" val="1581776870"/>
+        <p14:creationId xmlns:p14="http://schemas.microsoft.com/office/powerpoint/2010/main" val="1409823784"/>
       </p:ext>
     </p:extLst>
   </p:cSld>
   <p:clrMapOvr>
     <a:masterClrMapping/>
   </p:clrMapOvr>
-</p:sld>
-</file>
-
-<file path=ppt/slides/slide8.xml><?xml version="1.0" encoding="utf-8"?>
-<p:sld xmlns:a="http://schemas.openxmlformats.org/drawingml/2006/main" xmlns:r="http://schemas.openxmlformats.org/officeDocument/2006/relationships" xmlns:p="http://schemas.openxmlformats.org/presentationml/2006/main">
-  <p:cSld>
-    <p:spTree>
-      <p:nvGrpSpPr>
-        <p:cNvPr id="1" name=""/>
-        <p:cNvGrpSpPr/>
-        <p:nvPr/>
-      </p:nvGrpSpPr>
-      <p:grpSpPr>
-        <a:xfrm>
-          <a:off x="0" y="0"/>
-          <a:ext cx="0" cy="0"/>
-          <a:chOff x="0" y="0"/>
-          <a:chExt cx="0" cy="0"/>
-        </a:xfrm>
-      </p:grpSpPr>
-      <p:sp>
-        <p:nvSpPr>
-          <p:cNvPr id="2" name="Title 1"/>
-          <p:cNvSpPr>
-            <a:spLocks noGrp="1"/>
-          </p:cNvSpPr>
-          <p:nvPr>
-            <p:ph type="title"/>
-          </p:nvPr>
-        </p:nvSpPr>
-        <p:spPr/>
-        <p:txBody>
-          <a:bodyPr/>
-          <a:lstStyle/>
-          <a:p>
-            <a:r>
-              <a:rPr lang="en-US" dirty="0" smtClean="0"/>
-              <a:t>Examples</a:t>
-            </a:r>
-            <a:endParaRPr lang="en-US" dirty="0"/>
-          </a:p>
-        </p:txBody>
-      </p:sp>
-      <p:sp>
-        <p:nvSpPr>
-          <p:cNvPr id="3" name="Content Placeholder 2"/>
-          <p:cNvSpPr>
-            <a:spLocks noGrp="1"/>
-          </p:cNvSpPr>
-          <p:nvPr>
-            <p:ph idx="1"/>
-          </p:nvPr>
-        </p:nvSpPr>
-        <p:spPr/>
-        <p:txBody>
-          <a:bodyPr/>
-          <a:lstStyle/>
-          <a:p>
-            <a:r>
-              <a:rPr lang="en-US" dirty="0"/>
-              <a:t>Should I have them code along with me on these slides or the previous slide when I share examples?</a:t>
-            </a:r>
-          </a:p>
-          <a:p>
-            <a:r>
-              <a:rPr lang="en-US" dirty="0"/>
-              <a:t>Or show a few freehand examples?</a:t>
-            </a:r>
-          </a:p>
-          <a:p>
-            <a:endParaRPr lang="en-US" dirty="0"/>
-          </a:p>
-        </p:txBody>
-      </p:sp>
-    </p:spTree>
-    <p:extLst>
-      <p:ext uri="{BB962C8B-B14F-4D97-AF65-F5344CB8AC3E}">
-        <p14:creationId xmlns:p14="http://schemas.microsoft.com/office/powerpoint/2010/main" val="1362886729"/>
-      </p:ext>
-    </p:extLst>
-  </p:cSld>
-  <p:clrMapOvr>
-    <a:masterClrMapping/>
-  </p:clrMapOvr>
-  <p:timing>
-    <p:tnLst>
-      <p:par>
-        <p:cTn id="1" dur="indefinite" restart="never" nodeType="tmRoot"/>
-      </p:par>
-    </p:tnLst>
-  </p:timing>
 </p:sld>
 </file>
 

--- a/Git101.pptx
+++ b/Git101.pptx
@@ -4497,7 +4497,25 @@
           <a:bodyPr/>
           <a:lstStyle/>
           <a:p>
-            <a:endParaRPr lang="en-US" dirty="0"/>
+            <a:r>
+              <a:rPr lang="en-US" dirty="0" smtClean="0"/>
+              <a:t>If you just ran a commit/push to your repo:</a:t>
+            </a:r>
+          </a:p>
+          <a:p>
+            <a:pPr lvl="1"/>
+            <a:r>
+              <a:rPr lang="en-US" dirty="0" err="1" smtClean="0"/>
+              <a:t>git</a:t>
+            </a:r>
+            <a:r>
+              <a:rPr lang="en-US" smtClean="0"/>
+              <a:t> revert HEAD</a:t>
+            </a:r>
+          </a:p>
+          <a:p>
+            <a:pPr lvl="1"/>
+            <a:endParaRPr lang="en-US"/>
           </a:p>
         </p:txBody>
       </p:sp>

--- a/Git101.pptx
+++ b/Git101.pptx
@@ -5,7 +5,7 @@
     <p:sldMasterId id="2147483648" r:id="rId1"/>
   </p:sldMasterIdLst>
   <p:notesMasterIdLst>
-    <p:notesMasterId r:id="rId9"/>
+    <p:notesMasterId r:id="rId11"/>
   </p:notesMasterIdLst>
   <p:sldIdLst>
     <p:sldId id="256" r:id="rId2"/>
@@ -15,6 +15,8 @@
     <p:sldId id="275" r:id="rId6"/>
     <p:sldId id="268" r:id="rId7"/>
     <p:sldId id="276" r:id="rId8"/>
+    <p:sldId id="278" r:id="rId9"/>
+    <p:sldId id="279" r:id="rId10"/>
   </p:sldIdLst>
   <p:sldSz cx="12192000" cy="6858000"/>
   <p:notesSz cx="6858000" cy="9144000"/>
@@ -714,6 +716,90 @@
     <p:extLst>
       <p:ext uri="{BB962C8B-B14F-4D97-AF65-F5344CB8AC3E}">
         <p14:creationId xmlns:p14="http://schemas.microsoft.com/office/powerpoint/2010/main" val="1573257711"/>
+      </p:ext>
+    </p:extLst>
+  </p:cSld>
+  <p:clrMapOvr>
+    <a:masterClrMapping/>
+  </p:clrMapOvr>
+</p:notes>
+</file>
+
+<file path=ppt/notesSlides/notesSlide4.xml><?xml version="1.0" encoding="utf-8"?>
+<p:notes xmlns:a="http://schemas.openxmlformats.org/drawingml/2006/main" xmlns:r="http://schemas.openxmlformats.org/officeDocument/2006/relationships" xmlns:p="http://schemas.openxmlformats.org/presentationml/2006/main">
+  <p:cSld>
+    <p:spTree>
+      <p:nvGrpSpPr>
+        <p:cNvPr id="1" name=""/>
+        <p:cNvGrpSpPr/>
+        <p:nvPr/>
+      </p:nvGrpSpPr>
+      <p:grpSpPr>
+        <a:xfrm>
+          <a:off x="0" y="0"/>
+          <a:ext cx="0" cy="0"/>
+          <a:chOff x="0" y="0"/>
+          <a:chExt cx="0" cy="0"/>
+        </a:xfrm>
+      </p:grpSpPr>
+      <p:sp>
+        <p:nvSpPr>
+          <p:cNvPr id="2" name="Slide Image Placeholder 1"/>
+          <p:cNvSpPr>
+            <a:spLocks noGrp="1" noRot="1" noChangeAspect="1"/>
+          </p:cNvSpPr>
+          <p:nvPr>
+            <p:ph type="sldImg"/>
+          </p:nvPr>
+        </p:nvSpPr>
+        <p:spPr/>
+      </p:sp>
+      <p:sp>
+        <p:nvSpPr>
+          <p:cNvPr id="3" name="Notes Placeholder 2"/>
+          <p:cNvSpPr>
+            <a:spLocks noGrp="1"/>
+          </p:cNvSpPr>
+          <p:nvPr>
+            <p:ph type="body" idx="1"/>
+          </p:nvPr>
+        </p:nvSpPr>
+        <p:spPr/>
+        <p:txBody>
+          <a:bodyPr/>
+          <a:lstStyle/>
+          <a:p>
+            <a:endParaRPr lang="en-US" dirty="0"/>
+          </a:p>
+        </p:txBody>
+      </p:sp>
+      <p:sp>
+        <p:nvSpPr>
+          <p:cNvPr id="4" name="Slide Number Placeholder 3"/>
+          <p:cNvSpPr>
+            <a:spLocks noGrp="1"/>
+          </p:cNvSpPr>
+          <p:nvPr>
+            <p:ph type="sldNum" sz="quarter" idx="10"/>
+          </p:nvPr>
+        </p:nvSpPr>
+        <p:spPr/>
+        <p:txBody>
+          <a:bodyPr/>
+          <a:lstStyle/>
+          <a:p>
+            <a:fld id="{55F87E3E-B2E0-8A4D-AB67-29BF6C02E28F}" type="slidenum">
+              <a:rPr lang="en-US" smtClean="0"/>
+              <a:t>6</a:t>
+            </a:fld>
+            <a:endParaRPr lang="en-US"/>
+          </a:p>
+        </p:txBody>
+      </p:sp>
+    </p:spTree>
+    <p:extLst>
+      <p:ext uri="{BB962C8B-B14F-4D97-AF65-F5344CB8AC3E}">
+        <p14:creationId xmlns:p14="http://schemas.microsoft.com/office/powerpoint/2010/main" val="423800500"/>
       </p:ext>
     </p:extLst>
   </p:cSld>
@@ -3733,7 +3819,11 @@
             </a:pPr>
             <a:r>
               <a:rPr lang="en-US" dirty="0" smtClean="0"/>
-              <a:t>Google search says, “</a:t>
+              <a:t>Google </a:t>
+            </a:r>
+            <a:r>
+              <a:rPr lang="en-US" dirty="0" smtClean="0"/>
+              <a:t>says, “</a:t>
             </a:r>
             <a:r>
               <a:rPr lang="en-US" dirty="0"/>
@@ -4255,7 +4345,7 @@
             <a:pPr lvl="2"/>
             <a:r>
               <a:rPr lang="en-US" dirty="0" smtClean="0"/>
-              <a:t>Point of reference of when changes were made.</a:t>
+              <a:t>Point of reference of when changes were made.  Think of commits as checkpoints.</a:t>
             </a:r>
           </a:p>
           <a:p>
@@ -4365,7 +4455,7 @@
           </p:nvPr>
         </p:nvPicPr>
         <p:blipFill>
-          <a:blip r:embed="rId2"/>
+          <a:blip r:embed="rId3"/>
           <a:stretch>
             <a:fillRect/>
           </a:stretch>
@@ -4418,6 +4508,30 @@
           </a:p>
         </p:txBody>
       </p:sp>
+      <p:pic>
+        <p:nvPicPr>
+          <p:cNvPr id="9" name="Picture 8"/>
+          <p:cNvPicPr>
+            <a:picLocks noChangeAspect="1"/>
+          </p:cNvPicPr>
+          <p:nvPr/>
+        </p:nvPicPr>
+        <p:blipFill>
+          <a:blip r:embed="rId4"/>
+          <a:stretch>
+            <a:fillRect/>
+          </a:stretch>
+        </p:blipFill>
+        <p:spPr>
+          <a:xfrm>
+            <a:off x="838200" y="3178116"/>
+            <a:ext cx="2590800" cy="3124200"/>
+          </a:xfrm>
+          <a:prstGeom prst="rect">
+            <a:avLst/>
+          </a:prstGeom>
+        </p:spPr>
+      </p:pic>
     </p:spTree>
     <p:extLst>
       <p:ext uri="{BB962C8B-B14F-4D97-AF65-F5344CB8AC3E}">
@@ -4509,13 +4623,26 @@
               <a:t>git</a:t>
             </a:r>
             <a:r>
-              <a:rPr lang="en-US" smtClean="0"/>
+              <a:rPr lang="en-US" dirty="0" smtClean="0"/>
               <a:t> revert HEAD</a:t>
             </a:r>
           </a:p>
           <a:p>
+            <a:r>
+              <a:rPr lang="en-US" dirty="0" smtClean="0"/>
+              <a:t>If you need to revert back to a specific commit:</a:t>
+            </a:r>
+          </a:p>
+          <a:p>
             <a:pPr lvl="1"/>
-            <a:endParaRPr lang="en-US"/>
+            <a:r>
+              <a:rPr lang="en-US" dirty="0" err="1" smtClean="0"/>
+              <a:t>git</a:t>
+            </a:r>
+            <a:r>
+              <a:rPr lang="en-US" dirty="0" smtClean="0"/>
+              <a:t> revert [insert commit here]</a:t>
+            </a:r>
           </a:p>
         </p:txBody>
       </p:sp>
@@ -4523,6 +4650,439 @@
     <p:extLst>
       <p:ext uri="{BB962C8B-B14F-4D97-AF65-F5344CB8AC3E}">
         <p14:creationId xmlns:p14="http://schemas.microsoft.com/office/powerpoint/2010/main" val="1409823784"/>
+      </p:ext>
+    </p:extLst>
+  </p:cSld>
+  <p:clrMapOvr>
+    <a:masterClrMapping/>
+  </p:clrMapOvr>
+</p:sld>
+</file>
+
+<file path=ppt/slides/slide8.xml><?xml version="1.0" encoding="utf-8"?>
+<p:sld xmlns:a="http://schemas.openxmlformats.org/drawingml/2006/main" xmlns:r="http://schemas.openxmlformats.org/officeDocument/2006/relationships" xmlns:p="http://schemas.openxmlformats.org/presentationml/2006/main">
+  <p:cSld>
+    <p:spTree>
+      <p:nvGrpSpPr>
+        <p:cNvPr id="1" name=""/>
+        <p:cNvGrpSpPr/>
+        <p:nvPr/>
+      </p:nvGrpSpPr>
+      <p:grpSpPr>
+        <a:xfrm>
+          <a:off x="0" y="0"/>
+          <a:ext cx="0" cy="0"/>
+          <a:chOff x="0" y="0"/>
+          <a:chExt cx="0" cy="0"/>
+        </a:xfrm>
+      </p:grpSpPr>
+      <p:sp>
+        <p:nvSpPr>
+          <p:cNvPr id="2" name="Title 1"/>
+          <p:cNvSpPr>
+            <a:spLocks noGrp="1"/>
+          </p:cNvSpPr>
+          <p:nvPr>
+            <p:ph type="title"/>
+          </p:nvPr>
+        </p:nvSpPr>
+        <p:spPr/>
+        <p:txBody>
+          <a:bodyPr/>
+          <a:lstStyle/>
+          <a:p>
+            <a:r>
+              <a:rPr lang="en-US" b="1" dirty="0" smtClean="0"/>
+              <a:t>Tips in using </a:t>
+            </a:r>
+            <a:r>
+              <a:rPr lang="en-US" b="1" dirty="0" err="1" smtClean="0"/>
+              <a:t>Git</a:t>
+            </a:r>
+            <a:endParaRPr lang="en-US" b="1" dirty="0"/>
+          </a:p>
+        </p:txBody>
+      </p:sp>
+      <p:sp>
+        <p:nvSpPr>
+          <p:cNvPr id="3" name="Content Placeholder 2"/>
+          <p:cNvSpPr>
+            <a:spLocks noGrp="1"/>
+          </p:cNvSpPr>
+          <p:nvPr>
+            <p:ph idx="1"/>
+          </p:nvPr>
+        </p:nvSpPr>
+        <p:spPr>
+          <a:xfrm>
+            <a:off x="1216347" y="2202011"/>
+            <a:ext cx="2184976" cy="917575"/>
+          </a:xfrm>
+        </p:spPr>
+        <p:txBody>
+          <a:bodyPr>
+            <a:normAutofit/>
+          </a:bodyPr>
+          <a:lstStyle/>
+          <a:p>
+            <a:pPr marL="0" indent="0">
+              <a:buNone/>
+            </a:pPr>
+            <a:r>
+              <a:rPr lang="en-US" sz="4000" dirty="0" smtClean="0"/>
+              <a:t>DO NOT</a:t>
+            </a:r>
+            <a:endParaRPr lang="en-US" sz="4000" dirty="0"/>
+          </a:p>
+        </p:txBody>
+      </p:sp>
+      <p:pic>
+        <p:nvPicPr>
+          <p:cNvPr id="4" name="Picture 3"/>
+          <p:cNvPicPr>
+            <a:picLocks noChangeAspect="1"/>
+          </p:cNvPicPr>
+          <p:nvPr/>
+        </p:nvPicPr>
+        <p:blipFill>
+          <a:blip r:embed="rId2"/>
+          <a:stretch>
+            <a:fillRect/>
+          </a:stretch>
+        </p:blipFill>
+        <p:spPr>
+          <a:xfrm>
+            <a:off x="543823" y="2931902"/>
+            <a:ext cx="2857500" cy="2857500"/>
+          </a:xfrm>
+          <a:prstGeom prst="rect">
+            <a:avLst/>
+          </a:prstGeom>
+        </p:spPr>
+      </p:pic>
+      <p:sp>
+        <p:nvSpPr>
+          <p:cNvPr id="7" name="Content Placeholder 2"/>
+          <p:cNvSpPr txBox="1">
+            <a:spLocks/>
+          </p:cNvSpPr>
+          <p:nvPr/>
+        </p:nvSpPr>
+        <p:spPr>
+          <a:xfrm>
+            <a:off x="3640348" y="2195660"/>
+            <a:ext cx="8126081" cy="2918904"/>
+          </a:xfrm>
+          <a:prstGeom prst="rect">
+            <a:avLst/>
+          </a:prstGeom>
+        </p:spPr>
+        <p:txBody>
+          <a:bodyPr vert="horz" lIns="91440" tIns="45720" rIns="91440" bIns="45720" rtlCol="0">
+            <a:normAutofit/>
+          </a:bodyPr>
+          <a:lstStyle>
+            <a:lvl1pPr marL="228600" indent="-228600" algn="l" defTabSz="914400" rtl="0" eaLnBrk="1" latinLnBrk="0" hangingPunct="1">
+              <a:lnSpc>
+                <a:spcPct val="90000"/>
+              </a:lnSpc>
+              <a:spcBef>
+                <a:spcPts val="1000"/>
+              </a:spcBef>
+              <a:buFont typeface="Arial"/>
+              <a:buChar char="•"/>
+              <a:defRPr sz="2800" kern="1200">
+                <a:solidFill>
+                  <a:schemeClr val="tx1"/>
+                </a:solidFill>
+                <a:latin typeface="+mn-lt"/>
+                <a:ea typeface="+mn-ea"/>
+                <a:cs typeface="+mn-cs"/>
+              </a:defRPr>
+            </a:lvl1pPr>
+            <a:lvl2pPr marL="685800" indent="-228600" algn="l" defTabSz="914400" rtl="0" eaLnBrk="1" latinLnBrk="0" hangingPunct="1">
+              <a:lnSpc>
+                <a:spcPct val="90000"/>
+              </a:lnSpc>
+              <a:spcBef>
+                <a:spcPts val="500"/>
+              </a:spcBef>
+              <a:buFont typeface="Arial"/>
+              <a:buChar char="•"/>
+              <a:defRPr sz="2400" kern="1200">
+                <a:solidFill>
+                  <a:schemeClr val="tx1"/>
+                </a:solidFill>
+                <a:latin typeface="+mn-lt"/>
+                <a:ea typeface="+mn-ea"/>
+                <a:cs typeface="+mn-cs"/>
+              </a:defRPr>
+            </a:lvl2pPr>
+            <a:lvl3pPr marL="1143000" indent="-228600" algn="l" defTabSz="914400" rtl="0" eaLnBrk="1" latinLnBrk="0" hangingPunct="1">
+              <a:lnSpc>
+                <a:spcPct val="90000"/>
+              </a:lnSpc>
+              <a:spcBef>
+                <a:spcPts val="500"/>
+              </a:spcBef>
+              <a:buFont typeface="Arial"/>
+              <a:buChar char="•"/>
+              <a:defRPr sz="2000" kern="1200">
+                <a:solidFill>
+                  <a:schemeClr val="tx1"/>
+                </a:solidFill>
+                <a:latin typeface="+mn-lt"/>
+                <a:ea typeface="+mn-ea"/>
+                <a:cs typeface="+mn-cs"/>
+              </a:defRPr>
+            </a:lvl3pPr>
+            <a:lvl4pPr marL="1600200" indent="-228600" algn="l" defTabSz="914400" rtl="0" eaLnBrk="1" latinLnBrk="0" hangingPunct="1">
+              <a:lnSpc>
+                <a:spcPct val="90000"/>
+              </a:lnSpc>
+              <a:spcBef>
+                <a:spcPts val="500"/>
+              </a:spcBef>
+              <a:buFont typeface="Arial"/>
+              <a:buChar char="•"/>
+              <a:defRPr sz="1800" kern="1200">
+                <a:solidFill>
+                  <a:schemeClr val="tx1"/>
+                </a:solidFill>
+                <a:latin typeface="+mn-lt"/>
+                <a:ea typeface="+mn-ea"/>
+                <a:cs typeface="+mn-cs"/>
+              </a:defRPr>
+            </a:lvl4pPr>
+            <a:lvl5pPr marL="2057400" indent="-228600" algn="l" defTabSz="914400" rtl="0" eaLnBrk="1" latinLnBrk="0" hangingPunct="1">
+              <a:lnSpc>
+                <a:spcPct val="90000"/>
+              </a:lnSpc>
+              <a:spcBef>
+                <a:spcPts val="500"/>
+              </a:spcBef>
+              <a:buFont typeface="Arial"/>
+              <a:buChar char="•"/>
+              <a:defRPr sz="1800" kern="1200">
+                <a:solidFill>
+                  <a:schemeClr val="tx1"/>
+                </a:solidFill>
+                <a:latin typeface="+mn-lt"/>
+                <a:ea typeface="+mn-ea"/>
+                <a:cs typeface="+mn-cs"/>
+              </a:defRPr>
+            </a:lvl5pPr>
+            <a:lvl6pPr marL="2514600" indent="-228600" algn="l" defTabSz="914400" rtl="0" eaLnBrk="1" latinLnBrk="0" hangingPunct="1">
+              <a:lnSpc>
+                <a:spcPct val="90000"/>
+              </a:lnSpc>
+              <a:spcBef>
+                <a:spcPts val="500"/>
+              </a:spcBef>
+              <a:buFont typeface="Arial"/>
+              <a:buChar char="•"/>
+              <a:defRPr sz="1800" kern="1200">
+                <a:solidFill>
+                  <a:schemeClr val="tx1"/>
+                </a:solidFill>
+                <a:latin typeface="+mn-lt"/>
+                <a:ea typeface="+mn-ea"/>
+                <a:cs typeface="+mn-cs"/>
+              </a:defRPr>
+            </a:lvl6pPr>
+            <a:lvl7pPr marL="2971800" indent="-228600" algn="l" defTabSz="914400" rtl="0" eaLnBrk="1" latinLnBrk="0" hangingPunct="1">
+              <a:lnSpc>
+                <a:spcPct val="90000"/>
+              </a:lnSpc>
+              <a:spcBef>
+                <a:spcPts val="500"/>
+              </a:spcBef>
+              <a:buFont typeface="Arial"/>
+              <a:buChar char="•"/>
+              <a:defRPr sz="1800" kern="1200">
+                <a:solidFill>
+                  <a:schemeClr val="tx1"/>
+                </a:solidFill>
+                <a:latin typeface="+mn-lt"/>
+                <a:ea typeface="+mn-ea"/>
+                <a:cs typeface="+mn-cs"/>
+              </a:defRPr>
+            </a:lvl7pPr>
+            <a:lvl8pPr marL="3429000" indent="-228600" algn="l" defTabSz="914400" rtl="0" eaLnBrk="1" latinLnBrk="0" hangingPunct="1">
+              <a:lnSpc>
+                <a:spcPct val="90000"/>
+              </a:lnSpc>
+              <a:spcBef>
+                <a:spcPts val="500"/>
+              </a:spcBef>
+              <a:buFont typeface="Arial"/>
+              <a:buChar char="•"/>
+              <a:defRPr sz="1800" kern="1200">
+                <a:solidFill>
+                  <a:schemeClr val="tx1"/>
+                </a:solidFill>
+                <a:latin typeface="+mn-lt"/>
+                <a:ea typeface="+mn-ea"/>
+                <a:cs typeface="+mn-cs"/>
+              </a:defRPr>
+            </a:lvl8pPr>
+            <a:lvl9pPr marL="3886200" indent="-228600" algn="l" defTabSz="914400" rtl="0" eaLnBrk="1" latinLnBrk="0" hangingPunct="1">
+              <a:lnSpc>
+                <a:spcPct val="90000"/>
+              </a:lnSpc>
+              <a:spcBef>
+                <a:spcPts val="500"/>
+              </a:spcBef>
+              <a:buFont typeface="Arial"/>
+              <a:buChar char="•"/>
+              <a:defRPr sz="1800" kern="1200">
+                <a:solidFill>
+                  <a:schemeClr val="tx1"/>
+                </a:solidFill>
+                <a:latin typeface="+mn-lt"/>
+                <a:ea typeface="+mn-ea"/>
+                <a:cs typeface="+mn-cs"/>
+              </a:defRPr>
+            </a:lvl9pPr>
+          </a:lstStyle>
+          <a:p>
+            <a:pPr marL="0" indent="0">
+              <a:buNone/>
+            </a:pPr>
+            <a:r>
+              <a:rPr lang="en-US" sz="4000" b="1" dirty="0" smtClean="0"/>
+              <a:t>                          Do This</a:t>
+            </a:r>
+            <a:endParaRPr lang="en-US" sz="4000" b="1" dirty="0"/>
+          </a:p>
+          <a:p>
+            <a:r>
+              <a:rPr lang="en-US" sz="4000" dirty="0" err="1"/>
+              <a:t>g</a:t>
+            </a:r>
+            <a:r>
+              <a:rPr lang="en-US" sz="4000" dirty="0" err="1" smtClean="0"/>
+              <a:t>it</a:t>
+            </a:r>
+            <a:r>
+              <a:rPr lang="en-US" sz="4000" dirty="0" smtClean="0"/>
+              <a:t> add.</a:t>
+            </a:r>
+          </a:p>
+          <a:p>
+            <a:r>
+              <a:rPr lang="en-US" sz="4000" dirty="0" err="1"/>
+              <a:t>g</a:t>
+            </a:r>
+            <a:r>
+              <a:rPr lang="en-US" sz="4000" dirty="0" err="1" smtClean="0"/>
+              <a:t>it</a:t>
+            </a:r>
+            <a:r>
+              <a:rPr lang="en-US" sz="4000" dirty="0" smtClean="0"/>
+              <a:t> commit </a:t>
+            </a:r>
+            <a:r>
+              <a:rPr lang="mr-IN" sz="4000" dirty="0" smtClean="0"/>
+              <a:t>–</a:t>
+            </a:r>
+            <a:r>
+              <a:rPr lang="en-US" sz="4000" dirty="0" smtClean="0"/>
+              <a:t>m “useful information”</a:t>
+            </a:r>
+          </a:p>
+          <a:p>
+            <a:pPr marL="0" indent="0">
+              <a:buFont typeface="Arial"/>
+              <a:buNone/>
+            </a:pPr>
+            <a:endParaRPr lang="en-US" sz="4000" dirty="0"/>
+          </a:p>
+        </p:txBody>
+      </p:sp>
+    </p:spTree>
+    <p:extLst>
+      <p:ext uri="{BB962C8B-B14F-4D97-AF65-F5344CB8AC3E}">
+        <p14:creationId xmlns:p14="http://schemas.microsoft.com/office/powerpoint/2010/main" val="1891386750"/>
+      </p:ext>
+    </p:extLst>
+  </p:cSld>
+  <p:clrMapOvr>
+    <a:masterClrMapping/>
+  </p:clrMapOvr>
+  <p:timing>
+    <p:tnLst>
+      <p:par>
+        <p:cTn id="1" dur="indefinite" restart="never" nodeType="tmRoot"/>
+      </p:par>
+    </p:tnLst>
+  </p:timing>
+</p:sld>
+</file>
+
+<file path=ppt/slides/slide9.xml><?xml version="1.0" encoding="utf-8"?>
+<p:sld xmlns:a="http://schemas.openxmlformats.org/drawingml/2006/main" xmlns:r="http://schemas.openxmlformats.org/officeDocument/2006/relationships" xmlns:p="http://schemas.openxmlformats.org/presentationml/2006/main">
+  <p:cSld>
+    <p:spTree>
+      <p:nvGrpSpPr>
+        <p:cNvPr id="1" name=""/>
+        <p:cNvGrpSpPr/>
+        <p:nvPr/>
+      </p:nvGrpSpPr>
+      <p:grpSpPr>
+        <a:xfrm>
+          <a:off x="0" y="0"/>
+          <a:ext cx="0" cy="0"/>
+          <a:chOff x="0" y="0"/>
+          <a:chExt cx="0" cy="0"/>
+        </a:xfrm>
+      </p:grpSpPr>
+      <p:sp>
+        <p:nvSpPr>
+          <p:cNvPr id="2" name="Title 1"/>
+          <p:cNvSpPr>
+            <a:spLocks noGrp="1"/>
+          </p:cNvSpPr>
+          <p:nvPr>
+            <p:ph type="title"/>
+          </p:nvPr>
+        </p:nvSpPr>
+        <p:spPr/>
+        <p:txBody>
+          <a:bodyPr/>
+          <a:lstStyle/>
+          <a:p>
+            <a:r>
+              <a:rPr lang="en-US" dirty="0" smtClean="0"/>
+              <a:t>Questions</a:t>
+            </a:r>
+            <a:endParaRPr lang="en-US" dirty="0"/>
+          </a:p>
+        </p:txBody>
+      </p:sp>
+      <p:sp>
+        <p:nvSpPr>
+          <p:cNvPr id="3" name="Content Placeholder 2"/>
+          <p:cNvSpPr>
+            <a:spLocks noGrp="1"/>
+          </p:cNvSpPr>
+          <p:nvPr>
+            <p:ph idx="1"/>
+          </p:nvPr>
+        </p:nvSpPr>
+        <p:spPr/>
+        <p:txBody>
+          <a:bodyPr/>
+          <a:lstStyle/>
+          <a:p>
+            <a:endParaRPr lang="en-US"/>
+          </a:p>
+        </p:txBody>
+      </p:sp>
+    </p:spTree>
+    <p:extLst>
+      <p:ext uri="{BB962C8B-B14F-4D97-AF65-F5344CB8AC3E}">
+        <p14:creationId xmlns:p14="http://schemas.microsoft.com/office/powerpoint/2010/main" val="691472789"/>
       </p:ext>
     </p:extLst>
   </p:cSld>

--- a/Git101.pptx
+++ b/Git101.pptx
@@ -205,7 +205,7 @@
           <a:p>
             <a:fld id="{9C0C8A4D-97B3-D041-B703-DCACD425279E}" type="datetimeFigureOut">
               <a:rPr lang="en-US" smtClean="0"/>
-              <a:t>1/16/17</a:t>
+              <a:t>1/17/17</a:t>
             </a:fld>
             <a:endParaRPr lang="en-US"/>
           </a:p>
@@ -940,7 +940,7 @@
           <a:p>
             <a:fld id="{27C20568-570F-8343-ACBF-596D6A57A320}" type="datetimeFigureOut">
               <a:rPr lang="en-US" smtClean="0"/>
-              <a:t>1/16/17</a:t>
+              <a:t>1/17/17</a:t>
             </a:fld>
             <a:endParaRPr lang="en-US"/>
           </a:p>
@@ -1110,7 +1110,7 @@
           <a:p>
             <a:fld id="{27C20568-570F-8343-ACBF-596D6A57A320}" type="datetimeFigureOut">
               <a:rPr lang="en-US" smtClean="0"/>
-              <a:t>1/16/17</a:t>
+              <a:t>1/17/17</a:t>
             </a:fld>
             <a:endParaRPr lang="en-US"/>
           </a:p>
@@ -1290,7 +1290,7 @@
           <a:p>
             <a:fld id="{27C20568-570F-8343-ACBF-596D6A57A320}" type="datetimeFigureOut">
               <a:rPr lang="en-US" smtClean="0"/>
-              <a:t>1/16/17</a:t>
+              <a:t>1/17/17</a:t>
             </a:fld>
             <a:endParaRPr lang="en-US"/>
           </a:p>
@@ -1460,7 +1460,7 @@
           <a:p>
             <a:fld id="{27C20568-570F-8343-ACBF-596D6A57A320}" type="datetimeFigureOut">
               <a:rPr lang="en-US" smtClean="0"/>
-              <a:t>1/16/17</a:t>
+              <a:t>1/17/17</a:t>
             </a:fld>
             <a:endParaRPr lang="en-US"/>
           </a:p>
@@ -1706,7 +1706,7 @@
           <a:p>
             <a:fld id="{27C20568-570F-8343-ACBF-596D6A57A320}" type="datetimeFigureOut">
               <a:rPr lang="en-US" smtClean="0"/>
-              <a:t>1/16/17</a:t>
+              <a:t>1/17/17</a:t>
             </a:fld>
             <a:endParaRPr lang="en-US"/>
           </a:p>
@@ -1938,7 +1938,7 @@
           <a:p>
             <a:fld id="{27C20568-570F-8343-ACBF-596D6A57A320}" type="datetimeFigureOut">
               <a:rPr lang="en-US" smtClean="0"/>
-              <a:t>1/16/17</a:t>
+              <a:t>1/17/17</a:t>
             </a:fld>
             <a:endParaRPr lang="en-US"/>
           </a:p>
@@ -2305,7 +2305,7 @@
           <a:p>
             <a:fld id="{27C20568-570F-8343-ACBF-596D6A57A320}" type="datetimeFigureOut">
               <a:rPr lang="en-US" smtClean="0"/>
-              <a:t>1/16/17</a:t>
+              <a:t>1/17/17</a:t>
             </a:fld>
             <a:endParaRPr lang="en-US"/>
           </a:p>
@@ -2423,7 +2423,7 @@
           <a:p>
             <a:fld id="{27C20568-570F-8343-ACBF-596D6A57A320}" type="datetimeFigureOut">
               <a:rPr lang="en-US" smtClean="0"/>
-              <a:t>1/16/17</a:t>
+              <a:t>1/17/17</a:t>
             </a:fld>
             <a:endParaRPr lang="en-US"/>
           </a:p>
@@ -2518,7 +2518,7 @@
           <a:p>
             <a:fld id="{27C20568-570F-8343-ACBF-596D6A57A320}" type="datetimeFigureOut">
               <a:rPr lang="en-US" smtClean="0"/>
-              <a:t>1/16/17</a:t>
+              <a:t>1/17/17</a:t>
             </a:fld>
             <a:endParaRPr lang="en-US"/>
           </a:p>
@@ -2795,7 +2795,7 @@
           <a:p>
             <a:fld id="{27C20568-570F-8343-ACBF-596D6A57A320}" type="datetimeFigureOut">
               <a:rPr lang="en-US" smtClean="0"/>
-              <a:t>1/16/17</a:t>
+              <a:t>1/17/17</a:t>
             </a:fld>
             <a:endParaRPr lang="en-US"/>
           </a:p>
@@ -3048,7 +3048,7 @@
           <a:p>
             <a:fld id="{27C20568-570F-8343-ACBF-596D6A57A320}" type="datetimeFigureOut">
               <a:rPr lang="en-US" smtClean="0"/>
-              <a:t>1/16/17</a:t>
+              <a:t>1/17/17</a:t>
             </a:fld>
             <a:endParaRPr lang="en-US"/>
           </a:p>
@@ -3261,7 +3261,7 @@
           <a:p>
             <a:fld id="{27C20568-570F-8343-ACBF-596D6A57A320}" type="datetimeFigureOut">
               <a:rPr lang="en-US" smtClean="0"/>
-              <a:t>1/16/17</a:t>
+              <a:t>1/17/17</a:t>
             </a:fld>
             <a:endParaRPr lang="en-US"/>
           </a:p>
@@ -3819,11 +3819,7 @@
             </a:pPr>
             <a:r>
               <a:rPr lang="en-US" dirty="0" smtClean="0"/>
-              <a:t>Google </a:t>
-            </a:r>
-            <a:r>
-              <a:rPr lang="en-US" dirty="0" smtClean="0"/>
-              <a:t>says, “</a:t>
+              <a:t>Google says, “</a:t>
             </a:r>
             <a:r>
               <a:rPr lang="en-US" dirty="0"/>
@@ -3879,11 +3875,7 @@
           <a:p>
             <a:r>
               <a:rPr lang="en-US" dirty="0" smtClean="0"/>
-              <a:t>File </a:t>
-            </a:r>
-            <a:r>
-              <a:rPr lang="en-US" dirty="0" smtClean="0"/>
-              <a:t>restoration</a:t>
+              <a:t>File restoration</a:t>
             </a:r>
           </a:p>
           <a:p>
@@ -4377,6 +4369,29 @@
               <a:rPr lang="en-US" dirty="0" smtClean="0"/>
               <a:t>.</a:t>
             </a:r>
+          </a:p>
+          <a:p>
+            <a:pPr lvl="1"/>
+            <a:r>
+              <a:rPr lang="en-US" dirty="0" err="1" smtClean="0"/>
+              <a:t>git</a:t>
+            </a:r>
+            <a:r>
+              <a:rPr lang="en-US" dirty="0" smtClean="0"/>
+              <a:t> status</a:t>
+            </a:r>
+          </a:p>
+          <a:p>
+            <a:pPr lvl="2"/>
+            <a:r>
+              <a:rPr lang="en-US" dirty="0" smtClean="0"/>
+              <a:t>Check the status of your repo.  Will tell you if there are any pending changes ready to be committed in </a:t>
+            </a:r>
+            <a:r>
+              <a:rPr lang="en-US" smtClean="0"/>
+              <a:t>your local repo.</a:t>
+            </a:r>
+            <a:endParaRPr lang="en-US" dirty="0" smtClean="0"/>
           </a:p>
           <a:p>
             <a:pPr lvl="2"/>
